--- a/2 семестр/Управление бизнес-процессами/пр8/8пр.pptx
+++ b/2 семестр/Управление бизнес-процессами/пр8/8пр.pptx
@@ -113,6 +113,11 @@
       </a:defRPr>
     </a:lvl9pPr>
   </p:defaultTextStyle>
+  <p:extLst>
+    <p:ext uri="{EFAFB233-063F-42B5-8137-9DF3F51BA10A}">
+      <p15:sldGuideLst xmlns:p15="http://schemas.microsoft.com/office/powerpoint/2012/main"/>
+    </p:ext>
+  </p:extLst>
 </p:presentation>
 </file>
 
@@ -3474,14 +3479,7 @@
                 <a:latin typeface="Times New Roman" panose="02020603050405020304" pitchFamily="18" charset="0"/>
                 <a:cs typeface="Times New Roman" panose="02020603050405020304" pitchFamily="18" charset="0"/>
               </a:rPr>
-              <a:t>ИКМО-05-23 </a:t>
-            </a:r>
-            <a:r>
-              <a:rPr lang="ru-RU" sz="1867" b="1" dirty="0" smtClean="0">
-                <a:latin typeface="Times New Roman" panose="02020603050405020304" pitchFamily="18" charset="0"/>
-                <a:cs typeface="Times New Roman" panose="02020603050405020304" pitchFamily="18" charset="0"/>
-              </a:rPr>
-              <a:t>Миронов Дмитрий Сергеевич</a:t>
+              <a:t>ИКМО-05-23 Миронов Дмитрий Сергеевич</a:t>
             </a:r>
             <a:endParaRPr lang="ru-RU" sz="1867" b="1" dirty="0">
               <a:latin typeface="Times New Roman" panose="02020603050405020304" pitchFamily="18" charset="0"/>
@@ -3701,14 +3699,7 @@
                 <a:latin typeface="Times New Roman" panose="02020603050405020304" pitchFamily="18" charset="0"/>
                 <a:cs typeface="Times New Roman" panose="02020603050405020304" pitchFamily="18" charset="0"/>
               </a:rPr>
-              <a:t>Т</a:t>
-            </a:r>
-            <a:r>
-              <a:rPr lang="ru-RU" sz="1867" b="1" dirty="0" smtClean="0">
-                <a:latin typeface="Times New Roman" panose="02020603050405020304" pitchFamily="18" charset="0"/>
-                <a:cs typeface="Times New Roman" panose="02020603050405020304" pitchFamily="18" charset="0"/>
-              </a:rPr>
-              <a:t>ема:</a:t>
+              <a:t>Тема:</a:t>
             </a:r>
             <a:r>
               <a:rPr lang="ru-RU" sz="1867" b="1" dirty="0" smtClean="0">
